--- a/Waluigi.pptx
+++ b/Waluigi.pptx
@@ -112,6 +112,11 @@
       </a:defRPr>
     </a:lvl9pPr>
   </p:defaultTextStyle>
+  <p:extLst>
+    <p:ext uri="{EFAFB233-063F-42B5-8137-9DF3F51BA10A}">
+      <p15:sldGuideLst xmlns:p15="http://schemas.microsoft.com/office/powerpoint/2012/main"/>
+    </p:ext>
+  </p:extLst>
 </p:presentation>
 </file>
 
@@ -254,7 +259,7 @@
           <a:p>
             <a:fld id="{48A87A34-81AB-432B-8DAE-1953F412C126}" type="datetimeFigureOut">
               <a:rPr lang="en-US" dirty="0"/>
-              <a:t>11/13/2018</a:t>
+              <a:t>11/14/2018</a:t>
             </a:fld>
             <a:endParaRPr lang="en-US" dirty="0"/>
           </a:p>
@@ -460,7 +465,7 @@
           <a:p>
             <a:fld id="{48A87A34-81AB-432B-8DAE-1953F412C126}" type="datetimeFigureOut">
               <a:rPr lang="en-US" dirty="0"/>
-              <a:t>11/13/2018</a:t>
+              <a:t>11/14/2018</a:t>
             </a:fld>
             <a:endParaRPr lang="en-US" dirty="0"/>
           </a:p>
@@ -670,7 +675,7 @@
           <a:p>
             <a:fld id="{48A87A34-81AB-432B-8DAE-1953F412C126}" type="datetimeFigureOut">
               <a:rPr lang="en-US" dirty="0"/>
-              <a:t>11/13/2018</a:t>
+              <a:t>11/14/2018</a:t>
             </a:fld>
             <a:endParaRPr lang="en-US" dirty="0"/>
           </a:p>
@@ -866,7 +871,7 @@
           <a:p>
             <a:fld id="{48A87A34-81AB-432B-8DAE-1953F412C126}" type="datetimeFigureOut">
               <a:rPr lang="en-US" dirty="0"/>
-              <a:t>11/13/2018</a:t>
+              <a:t>11/14/2018</a:t>
             </a:fld>
             <a:endParaRPr lang="en-US" dirty="0"/>
           </a:p>
@@ -1140,7 +1145,7 @@
           <a:p>
             <a:fld id="{48A87A34-81AB-432B-8DAE-1953F412C126}" type="datetimeFigureOut">
               <a:rPr lang="en-US" dirty="0"/>
-              <a:t>11/13/2018</a:t>
+              <a:t>11/14/2018</a:t>
             </a:fld>
             <a:endParaRPr lang="en-US" dirty="0"/>
           </a:p>
@@ -1403,7 +1408,7 @@
           <a:p>
             <a:fld id="{48A87A34-81AB-432B-8DAE-1953F412C126}" type="datetimeFigureOut">
               <a:rPr lang="en-US" dirty="0"/>
-              <a:t>11/13/2018</a:t>
+              <a:t>11/14/2018</a:t>
             </a:fld>
             <a:endParaRPr lang="en-US" dirty="0"/>
           </a:p>
@@ -1814,7 +1819,7 @@
           <a:p>
             <a:fld id="{48A87A34-81AB-432B-8DAE-1953F412C126}" type="datetimeFigureOut">
               <a:rPr lang="en-US" dirty="0"/>
-              <a:t>11/13/2018</a:t>
+              <a:t>11/14/2018</a:t>
             </a:fld>
             <a:endParaRPr lang="en-US" dirty="0"/>
           </a:p>
@@ -1958,7 +1963,7 @@
           <a:p>
             <a:fld id="{48A87A34-81AB-432B-8DAE-1953F412C126}" type="datetimeFigureOut">
               <a:rPr lang="en-US" dirty="0"/>
-              <a:t>11/13/2018</a:t>
+              <a:t>11/14/2018</a:t>
             </a:fld>
             <a:endParaRPr lang="en-US" dirty="0"/>
           </a:p>
@@ -2079,7 +2084,7 @@
           <a:p>
             <a:fld id="{48A87A34-81AB-432B-8DAE-1953F412C126}" type="datetimeFigureOut">
               <a:rPr lang="en-US" dirty="0"/>
-              <a:t>11/13/2018</a:t>
+              <a:t>11/14/2018</a:t>
             </a:fld>
             <a:endParaRPr lang="en-US" dirty="0"/>
           </a:p>
@@ -2325,7 +2330,7 @@
           <a:p>
             <a:fld id="{48A87A34-81AB-432B-8DAE-1953F412C126}" type="datetimeFigureOut">
               <a:rPr lang="en-US" dirty="0"/>
-              <a:t>11/13/2018</a:t>
+              <a:t>11/14/2018</a:t>
             </a:fld>
             <a:endParaRPr lang="en-US" dirty="0"/>
           </a:p>
@@ -2766,7 +2771,7 @@
             <a:fld id="{48A87A34-81AB-432B-8DAE-1953F412C126}" type="datetimeFigureOut">
               <a:rPr lang="en-US" dirty="0"/>
               <a:pPr/>
-              <a:t>11/13/2018</a:t>
+              <a:t>11/14/2018</a:t>
             </a:fld>
             <a:endParaRPr lang="en-US" dirty="0"/>
           </a:p>
@@ -3088,7 +3093,7 @@
             <a:fld id="{48A87A34-81AB-432B-8DAE-1953F412C126}" type="datetimeFigureOut">
               <a:rPr lang="en-US" dirty="0"/>
               <a:pPr/>
-              <a:t>11/13/2018</a:t>
+              <a:t>11/14/2018</a:t>
             </a:fld>
             <a:endParaRPr lang="en-US" dirty="0"/>
           </a:p>
@@ -3680,7 +3685,7 @@
             </a:r>
             <a:r>
               <a:rPr lang="en-US" dirty="0" err="1"/>
-              <a:t>girka</a:t>
+              <a:t>gurka</a:t>
             </a:r>
             <a:endParaRPr lang="en-US" dirty="0"/>
           </a:p>
@@ -3767,26 +3772,26 @@
           <a:p>
             <a:r>
               <a:rPr lang="en-US" dirty="0"/>
-              <a:t>Hometown:</a:t>
-            </a:r>
-          </a:p>
-          <a:p>
-            <a:r>
-              <a:rPr lang="en-US" dirty="0"/>
-              <a:t>Major: </a:t>
+              <a:t>Hometown: Marshall, TX</a:t>
+            </a:r>
+          </a:p>
+          <a:p>
+            <a:r>
+              <a:rPr lang="en-US" dirty="0"/>
+              <a:t>Major: Electrical and Computer Engineering</a:t>
             </a:r>
           </a:p>
           <a:p>
             <a:pPr lvl="1"/>
             <a:r>
               <a:rPr lang="en-US" dirty="0"/>
-              <a:t>Why?</a:t>
-            </a:r>
-          </a:p>
-          <a:p>
-            <a:r>
-              <a:rPr lang="en-US" dirty="0"/>
-              <a:t>Interesting fact about yourself</a:t>
+              <a:t>Why? Because it mays more than being an inventor.</a:t>
+            </a:r>
+          </a:p>
+          <a:p>
+            <a:r>
+              <a:rPr lang="en-US" dirty="0"/>
+              <a:t>Interesting fact about yourself: I rode a submarine underwater</a:t>
             </a:r>
           </a:p>
           <a:p>
@@ -3796,7 +3801,7 @@
             </a:r>
             <a:r>
               <a:rPr lang="en-US" dirty="0"/>
-              <a:t>/Roles:</a:t>
+              <a:t>/Roles: Team Member</a:t>
             </a:r>
           </a:p>
         </p:txBody>
@@ -3882,26 +3887,34 @@
           <a:p>
             <a:r>
               <a:rPr lang="en-US" dirty="0"/>
-              <a:t>Hometown:</a:t>
-            </a:r>
-          </a:p>
-          <a:p>
-            <a:r>
-              <a:rPr lang="en-US" dirty="0"/>
-              <a:t>Major:</a:t>
+              <a:t>Hometown: Midland, Texas</a:t>
+            </a:r>
+          </a:p>
+          <a:p>
+            <a:r>
+              <a:rPr lang="en-US" dirty="0"/>
+              <a:t>Major: Computer Science</a:t>
             </a:r>
           </a:p>
           <a:p>
             <a:pPr lvl="1"/>
             <a:r>
               <a:rPr lang="en-US" dirty="0"/>
-              <a:t>Why?</a:t>
-            </a:r>
-          </a:p>
-          <a:p>
-            <a:r>
-              <a:rPr lang="en-US" dirty="0"/>
-              <a:t>Interesting fact about yourself</a:t>
+              <a:t>Why? : I’ve always been interested in programming and started to take online courses during high school and really enjoyed it</a:t>
+            </a:r>
+          </a:p>
+          <a:p>
+            <a:r>
+              <a:rPr lang="en-US" dirty="0"/>
+              <a:t>Interesting fact about yourself : I can solve a </a:t>
+            </a:r>
+            <a:r>
+              <a:rPr lang="en-US" dirty="0" err="1"/>
+              <a:t>rubix</a:t>
+            </a:r>
+            <a:r>
+              <a:rPr lang="en-US" dirty="0"/>
+              <a:t> cube in under a minute</a:t>
             </a:r>
           </a:p>
           <a:p>
@@ -3911,7 +3924,7 @@
             </a:r>
             <a:r>
               <a:rPr lang="en-US" dirty="0"/>
-              <a:t>/Roles:</a:t>
+              <a:t>/Roles:  Team member (TBD)</a:t>
             </a:r>
           </a:p>
           <a:p>
@@ -4026,7 +4039,7 @@
           <a:p>
             <a:r>
               <a:rPr lang="en-US" dirty="0"/>
-              <a:t>I was previously a player on </a:t>
+              <a:t>Interesting fact about yourself: I was previously a player on </a:t>
             </a:r>
             <a:r>
               <a:rPr lang="en-US" dirty="0" err="1"/>
@@ -4040,11 +4053,8 @@
           <a:p>
             <a:r>
               <a:rPr lang="en-US" dirty="0"/>
-              <a:t>Responsibility/Roles:  Team liaison, GitHub repo creator</a:t>
-            </a:r>
-          </a:p>
-          <a:p>
-            <a:endParaRPr lang="en-US" dirty="0"/>
+              <a:t>Responsibility/Roles:  Team liaison, team member</a:t>
+            </a:r>
           </a:p>
         </p:txBody>
       </p:sp>
@@ -4153,7 +4163,7 @@
           <a:p>
             <a:r>
               <a:rPr lang="en-US" dirty="0"/>
-              <a:t>Interesting fact about yourself</a:t>
+              <a:t>Interesting fact about yourself: I live in teal</a:t>
             </a:r>
           </a:p>
           <a:p>
@@ -4163,7 +4173,7 @@
             </a:r>
             <a:r>
               <a:rPr lang="en-US" dirty="0"/>
-              <a:t>/Roles:</a:t>
+              <a:t>/Roles: Team Member</a:t>
             </a:r>
           </a:p>
           <a:p>
@@ -4228,7 +4238,7 @@
             </a:r>
             <a:r>
               <a:rPr lang="en-US" dirty="0" err="1"/>
-              <a:t>girka</a:t>
+              <a:t>gurka</a:t>
             </a:r>
             <a:endParaRPr lang="en-US" dirty="0"/>
           </a:p>
@@ -4257,26 +4267,26 @@
           <a:p>
             <a:r>
               <a:rPr lang="en-US" dirty="0"/>
-              <a:t>Hometown:</a:t>
-            </a:r>
-          </a:p>
-          <a:p>
-            <a:r>
-              <a:rPr lang="en-US" dirty="0"/>
-              <a:t>Major:</a:t>
+              <a:t>Hometown: Alvin, Texas</a:t>
+            </a:r>
+          </a:p>
+          <a:p>
+            <a:r>
+              <a:rPr lang="en-US" dirty="0"/>
+              <a:t>Major: Electrical Engineering </a:t>
             </a:r>
           </a:p>
           <a:p>
             <a:pPr lvl="1"/>
             <a:r>
               <a:rPr lang="en-US" dirty="0"/>
-              <a:t>Why?</a:t>
-            </a:r>
-          </a:p>
-          <a:p>
-            <a:r>
-              <a:rPr lang="en-US" dirty="0"/>
-              <a:t>Interesting fact about yourself</a:t>
+              <a:t>Why? I find circuits and electronics interesting.</a:t>
+            </a:r>
+          </a:p>
+          <a:p>
+            <a:r>
+              <a:rPr lang="en-US" dirty="0"/>
+              <a:t>I hybrid peck type </a:t>
             </a:r>
           </a:p>
           <a:p>
@@ -4286,7 +4296,7 @@
             </a:r>
             <a:r>
               <a:rPr lang="en-US" dirty="0"/>
-              <a:t>/Roles:</a:t>
+              <a:t>/Roles: Team member</a:t>
             </a:r>
           </a:p>
           <a:p>

--- a/Waluigi.pptx
+++ b/Waluigi.pptx
@@ -4144,20 +4144,20 @@
           <a:p>
             <a:r>
               <a:rPr lang="en-US" dirty="0"/>
-              <a:t>Hometown:</a:t>
-            </a:r>
-          </a:p>
-          <a:p>
-            <a:r>
-              <a:rPr lang="en-US" dirty="0"/>
-              <a:t>Major:</a:t>
+              <a:t>Hometown: San Antonio</a:t>
+            </a:r>
+          </a:p>
+          <a:p>
+            <a:r>
+              <a:rPr lang="en-US" dirty="0"/>
+              <a:t>Major: Computer Science</a:t>
             </a:r>
           </a:p>
           <a:p>
             <a:pPr lvl="1"/>
             <a:r>
               <a:rPr lang="en-US" dirty="0"/>
-              <a:t>Why?</a:t>
+              <a:t>I fell in love with the elective in high school</a:t>
             </a:r>
           </a:p>
           <a:p>
